--- a/conceptFigs/initialSetup.pptx
+++ b/conceptFigs/initialSetup.pptx
@@ -9,6 +9,7 @@
     <p:sldId id="257" r:id="rId3"/>
     <p:sldId id="258" r:id="rId4"/>
     <p:sldId id="259" r:id="rId5"/>
+    <p:sldId id="260" r:id="rId6"/>
   </p:sldIdLst>
   <p:sldSz cx="12192000" cy="6858000"/>
   <p:notesSz cx="6858000" cy="9144000"/>
@@ -107,6 +108,11 @@
       </a:defRPr>
     </a:lvl9pPr>
   </p:defaultTextStyle>
+  <p:extLst>
+    <p:ext uri="{EFAFB233-063F-42B5-8137-9DF3F51BA10A}">
+      <p15:sldGuideLst xmlns:p15="http://schemas.microsoft.com/office/powerpoint/2012/main"/>
+    </p:ext>
+  </p:extLst>
 </p:presentation>
 </file>
 
@@ -257,7 +263,7 @@
           <a:p>
             <a:fld id="{8066546B-FAF0-437E-84BA-4A4C84DD831C}" type="datetimeFigureOut">
               <a:rPr lang="en-US" smtClean="0"/>
-              <a:t>12/11/2023</a:t>
+              <a:t>12/19/2023</a:t>
             </a:fld>
             <a:endParaRPr lang="en-US"/>
           </a:p>
@@ -455,7 +461,7 @@
           <a:p>
             <a:fld id="{8066546B-FAF0-437E-84BA-4A4C84DD831C}" type="datetimeFigureOut">
               <a:rPr lang="en-US" smtClean="0"/>
-              <a:t>12/11/2023</a:t>
+              <a:t>12/19/2023</a:t>
             </a:fld>
             <a:endParaRPr lang="en-US"/>
           </a:p>
@@ -663,7 +669,7 @@
           <a:p>
             <a:fld id="{8066546B-FAF0-437E-84BA-4A4C84DD831C}" type="datetimeFigureOut">
               <a:rPr lang="en-US" smtClean="0"/>
-              <a:t>12/11/2023</a:t>
+              <a:t>12/19/2023</a:t>
             </a:fld>
             <a:endParaRPr lang="en-US"/>
           </a:p>
@@ -861,7 +867,7 @@
           <a:p>
             <a:fld id="{8066546B-FAF0-437E-84BA-4A4C84DD831C}" type="datetimeFigureOut">
               <a:rPr lang="en-US" smtClean="0"/>
-              <a:t>12/11/2023</a:t>
+              <a:t>12/19/2023</a:t>
             </a:fld>
             <a:endParaRPr lang="en-US"/>
           </a:p>
@@ -1136,7 +1142,7 @@
           <a:p>
             <a:fld id="{8066546B-FAF0-437E-84BA-4A4C84DD831C}" type="datetimeFigureOut">
               <a:rPr lang="en-US" smtClean="0"/>
-              <a:t>12/11/2023</a:t>
+              <a:t>12/19/2023</a:t>
             </a:fld>
             <a:endParaRPr lang="en-US"/>
           </a:p>
@@ -1401,7 +1407,7 @@
           <a:p>
             <a:fld id="{8066546B-FAF0-437E-84BA-4A4C84DD831C}" type="datetimeFigureOut">
               <a:rPr lang="en-US" smtClean="0"/>
-              <a:t>12/11/2023</a:t>
+              <a:t>12/19/2023</a:t>
             </a:fld>
             <a:endParaRPr lang="en-US"/>
           </a:p>
@@ -1813,7 +1819,7 @@
           <a:p>
             <a:fld id="{8066546B-FAF0-437E-84BA-4A4C84DD831C}" type="datetimeFigureOut">
               <a:rPr lang="en-US" smtClean="0"/>
-              <a:t>12/11/2023</a:t>
+              <a:t>12/19/2023</a:t>
             </a:fld>
             <a:endParaRPr lang="en-US"/>
           </a:p>
@@ -1954,7 +1960,7 @@
           <a:p>
             <a:fld id="{8066546B-FAF0-437E-84BA-4A4C84DD831C}" type="datetimeFigureOut">
               <a:rPr lang="en-US" smtClean="0"/>
-              <a:t>12/11/2023</a:t>
+              <a:t>12/19/2023</a:t>
             </a:fld>
             <a:endParaRPr lang="en-US"/>
           </a:p>
@@ -2067,7 +2073,7 @@
           <a:p>
             <a:fld id="{8066546B-FAF0-437E-84BA-4A4C84DD831C}" type="datetimeFigureOut">
               <a:rPr lang="en-US" smtClean="0"/>
-              <a:t>12/11/2023</a:t>
+              <a:t>12/19/2023</a:t>
             </a:fld>
             <a:endParaRPr lang="en-US"/>
           </a:p>
@@ -2378,7 +2384,7 @@
           <a:p>
             <a:fld id="{8066546B-FAF0-437E-84BA-4A4C84DD831C}" type="datetimeFigureOut">
               <a:rPr lang="en-US" smtClean="0"/>
-              <a:t>12/11/2023</a:t>
+              <a:t>12/19/2023</a:t>
             </a:fld>
             <a:endParaRPr lang="en-US"/>
           </a:p>
@@ -2666,7 +2672,7 @@
           <a:p>
             <a:fld id="{8066546B-FAF0-437E-84BA-4A4C84DD831C}" type="datetimeFigureOut">
               <a:rPr lang="en-US" smtClean="0"/>
-              <a:t>12/11/2023</a:t>
+              <a:t>12/19/2023</a:t>
             </a:fld>
             <a:endParaRPr lang="en-US"/>
           </a:p>
@@ -2907,7 +2913,7 @@
           <a:p>
             <a:fld id="{8066546B-FAF0-437E-84BA-4A4C84DD831C}" type="datetimeFigureOut">
               <a:rPr lang="en-US" smtClean="0"/>
-              <a:t>12/11/2023</a:t>
+              <a:t>12/19/2023</a:t>
             </a:fld>
             <a:endParaRPr lang="en-US"/>
           </a:p>
@@ -4671,37 +4677,37 @@
           <p:nvPr>
             <p:extLst>
               <p:ext uri="{D42A27DB-BD31-4B8C-83A1-F6EECF244321}">
-                <p14:modId xmlns:p14="http://schemas.microsoft.com/office/powerpoint/2010/main" val="271153434"/>
+                <p14:modId xmlns:p14="http://schemas.microsoft.com/office/powerpoint/2010/main" val="2916973044"/>
               </p:ext>
             </p:extLst>
           </p:nvPr>
         </p:nvGraphicFramePr>
         <p:xfrm>
           <a:off x="2013337" y="1314349"/>
-          <a:ext cx="5945108" cy="2744469"/>
+          <a:ext cx="4658051" cy="2511199"/>
         </p:xfrm>
         <a:graphic>
           <a:graphicData uri="http://schemas.openxmlformats.org/drawingml/2006/table">
             <a:tbl>
               <a:tblPr firstRow="1" bandRow="1">
-                <a:tableStyleId>{073A0DAA-6AF3-43AB-8588-CEC1D06C72B9}</a:tableStyleId>
+                <a:tableStyleId>{793D81CF-94F2-401A-BA57-92F5A7B2D0C5}</a:tableStyleId>
               </a:tblPr>
               <a:tblGrid>
-                <a:gridCol w="1975104">
+                <a:gridCol w="1811599">
                   <a:extLst>
                     <a:ext uri="{9D8B030D-6E8A-4147-A177-3AD203B41FA5}">
                       <a16:colId xmlns:a16="http://schemas.microsoft.com/office/drawing/2014/main" val="1889191952"/>
                     </a:ext>
                   </a:extLst>
                 </a:gridCol>
-                <a:gridCol w="1985002">
+                <a:gridCol w="1838685">
                   <a:extLst>
                     <a:ext uri="{9D8B030D-6E8A-4147-A177-3AD203B41FA5}">
                       <a16:colId xmlns:a16="http://schemas.microsoft.com/office/drawing/2014/main" val="3544753038"/>
                     </a:ext>
                   </a:extLst>
                 </a:gridCol>
-                <a:gridCol w="1985002">
+                <a:gridCol w="1007767">
                   <a:extLst>
                     <a:ext uri="{9D8B030D-6E8A-4147-A177-3AD203B41FA5}">
                       <a16:colId xmlns:a16="http://schemas.microsoft.com/office/drawing/2014/main" val="3934872081"/>
@@ -4709,14 +4715,14 @@
                   </a:extLst>
                 </a:gridCol>
               </a:tblGrid>
-              <a:tr h="392067">
-                <a:tc>
-                  <a:txBody>
-                    <a:bodyPr/>
-                    <a:lstStyle/>
-                    <a:p>
-                      <a:r>
-                        <a:rPr lang="en-US" sz="1400" dirty="0"/>
+              <a:tr h="455299">
+                <a:tc>
+                  <a:txBody>
+                    <a:bodyPr/>
+                    <a:lstStyle/>
+                    <a:p>
+                      <a:r>
+                        <a:rPr lang="en-US" sz="1200" dirty="0"/>
                         <a:t>Parameter</a:t>
                       </a:r>
                     </a:p>
@@ -4729,7 +4735,7 @@
                     <a:lstStyle/>
                     <a:p>
                       <a:r>
-                        <a:rPr lang="en-US" sz="1400" dirty="0"/>
+                        <a:rPr lang="en-US" sz="1200" dirty="0"/>
                         <a:t>Effect/direction of trend</a:t>
                       </a:r>
                     </a:p>
@@ -4742,7 +4748,7 @@
                     <a:lstStyle/>
                     <a:p>
                       <a:r>
-                        <a:rPr lang="en-US" sz="1400" dirty="0"/>
+                        <a:rPr lang="en-US" sz="1200" dirty="0"/>
                         <a:t>Season</a:t>
                       </a:r>
                     </a:p>
@@ -4755,14 +4761,14 @@
                   </a:ext>
                 </a:extLst>
               </a:tr>
-              <a:tr h="392067">
+              <a:tr h="342650">
                 <a:tc rowSpan="2">
                   <a:txBody>
                     <a:bodyPr/>
                     <a:lstStyle/>
                     <a:p>
                       <a:r>
-                        <a:rPr lang="en-US" sz="1400" dirty="0"/>
+                        <a:rPr lang="en-US" sz="1200" dirty="0"/>
                         <a:t>Total abundance</a:t>
                       </a:r>
                     </a:p>
@@ -4775,7 +4781,7 @@
                     <a:lstStyle/>
                     <a:p>
                       <a:r>
-                        <a:rPr lang="en-US" sz="1400" dirty="0"/>
+                        <a:rPr lang="en-US" sz="1200" dirty="0"/>
                         <a:t>No change</a:t>
                       </a:r>
                     </a:p>
@@ -4788,7 +4794,7 @@
                     <a:lstStyle/>
                     <a:p>
                       <a:r>
-                        <a:rPr lang="en-US" sz="1400" dirty="0"/>
+                        <a:rPr lang="en-US" sz="1200" dirty="0"/>
                         <a:t>Summer</a:t>
                       </a:r>
                     </a:p>
@@ -4801,7 +4807,7 @@
                   </a:ext>
                 </a:extLst>
               </a:tr>
-              <a:tr h="392067">
+              <a:tr h="342650">
                 <a:tc vMerge="1">
                   <a:txBody>
                     <a:bodyPr/>
@@ -4818,7 +4824,7 @@
                     <a:lstStyle/>
                     <a:p>
                       <a:r>
-                        <a:rPr lang="en-US" sz="1400" dirty="0"/>
+                        <a:rPr lang="en-US" sz="1200" dirty="0"/>
                         <a:t>Decreasing over time</a:t>
                       </a:r>
                     </a:p>
@@ -4831,7 +4837,7 @@
                     <a:lstStyle/>
                     <a:p>
                       <a:r>
-                        <a:rPr lang="en-US" sz="1400" dirty="0"/>
+                        <a:rPr lang="en-US" sz="1200" dirty="0"/>
                         <a:t>Winter</a:t>
                       </a:r>
                     </a:p>
@@ -4844,14 +4850,14 @@
                   </a:ext>
                 </a:extLst>
               </a:tr>
-              <a:tr h="392067">
+              <a:tr h="342650">
                 <a:tc rowSpan="2">
                   <a:txBody>
                     <a:bodyPr/>
                     <a:lstStyle/>
                     <a:p>
                       <a:r>
-                        <a:rPr lang="en-US" sz="1400" dirty="0"/>
+                        <a:rPr lang="en-US" sz="1200" dirty="0"/>
                         <a:t>Water temperature</a:t>
                       </a:r>
                     </a:p>
@@ -4864,7 +4870,7 @@
                     <a:lstStyle/>
                     <a:p>
                       <a:r>
-                        <a:rPr lang="en-US" sz="1400" dirty="0"/>
+                        <a:rPr lang="en-US" sz="1200" dirty="0"/>
                         <a:t>N/A</a:t>
                       </a:r>
                     </a:p>
@@ -4877,7 +4883,7 @@
                     <a:lstStyle/>
                     <a:p>
                       <a:r>
-                        <a:rPr lang="en-US" sz="1400" dirty="0"/>
+                        <a:rPr lang="en-US" sz="1200" dirty="0"/>
                         <a:t>Summer</a:t>
                       </a:r>
                     </a:p>
@@ -4890,7 +4896,7 @@
                   </a:ext>
                 </a:extLst>
               </a:tr>
-              <a:tr h="392067">
+              <a:tr h="342650">
                 <a:tc vMerge="1">
                   <a:txBody>
                     <a:bodyPr/>
@@ -4907,7 +4913,7 @@
                     <a:lstStyle/>
                     <a:p>
                       <a:r>
-                        <a:rPr lang="en-US" sz="1400" dirty="0"/>
+                        <a:rPr lang="en-US" sz="1200" dirty="0"/>
                         <a:t>Positive</a:t>
                       </a:r>
                     </a:p>
@@ -4920,7 +4926,7 @@
                     <a:lstStyle/>
                     <a:p>
                       <a:r>
-                        <a:rPr lang="en-US" sz="1400" dirty="0"/>
+                        <a:rPr lang="en-US" sz="1200" dirty="0"/>
                         <a:t>Winter</a:t>
                       </a:r>
                     </a:p>
@@ -4933,14 +4939,14 @@
                   </a:ext>
                 </a:extLst>
               </a:tr>
-              <a:tr h="392067">
+              <a:tr h="342650">
                 <a:tc rowSpan="2">
                   <a:txBody>
                     <a:bodyPr/>
                     <a:lstStyle/>
                     <a:p>
                       <a:r>
-                        <a:rPr lang="en-US" sz="1400" dirty="0"/>
+                        <a:rPr lang="en-US" sz="1200" dirty="0"/>
                         <a:t>SAV coverage</a:t>
                       </a:r>
                     </a:p>
@@ -4954,7 +4960,7 @@
                     <a:p>
                       <a:pPr algn="l"/>
                       <a:r>
-                        <a:rPr lang="en-US" sz="1400" dirty="0"/>
+                        <a:rPr lang="en-US" sz="1200" dirty="0"/>
                         <a:t>Positive</a:t>
                       </a:r>
                     </a:p>
@@ -4967,7 +4973,7 @@
                     <a:lstStyle/>
                     <a:p>
                       <a:r>
-                        <a:rPr lang="en-US" sz="1400" dirty="0"/>
+                        <a:rPr lang="en-US" sz="1200" dirty="0"/>
                         <a:t>Summer</a:t>
                       </a:r>
                     </a:p>
@@ -4980,7 +4986,7 @@
                   </a:ext>
                 </a:extLst>
               </a:tr>
-              <a:tr h="392067">
+              <a:tr h="342650">
                 <a:tc vMerge="1">
                   <a:txBody>
                     <a:bodyPr/>
@@ -5008,7 +5014,7 @@
                     <a:lstStyle/>
                     <a:p>
                       <a:r>
-                        <a:rPr lang="en-US" sz="1400" dirty="0"/>
+                        <a:rPr lang="en-US" sz="1200" dirty="0"/>
                         <a:t>Winter</a:t>
                       </a:r>
                     </a:p>
@@ -5094,12 +5100,47 @@
           <a:chExt cx="0" cy="0"/>
         </a:xfrm>
       </p:grpSpPr>
+      <p:sp>
+        <p:nvSpPr>
+          <p:cNvPr id="5" name="TextBox 4">
+            <a:extLst>
+              <a:ext uri="{FF2B5EF4-FFF2-40B4-BE49-F238E27FC236}">
+                <a16:creationId xmlns:a16="http://schemas.microsoft.com/office/drawing/2014/main" id="{49E95AC3-80E7-EEE9-0785-17E710BE2733}"/>
+              </a:ext>
+            </a:extLst>
+          </p:cNvPr>
+          <p:cNvSpPr txBox="1"/>
+          <p:nvPr/>
+        </p:nvSpPr>
+        <p:spPr>
+          <a:xfrm>
+            <a:off x="5085184" y="495882"/>
+            <a:ext cx="946734" cy="369332"/>
+          </a:xfrm>
+          <a:prstGeom prst="rect">
+            <a:avLst/>
+          </a:prstGeom>
+          <a:noFill/>
+        </p:spPr>
+        <p:txBody>
+          <a:bodyPr wrap="none" rtlCol="0">
+            <a:spAutoFit/>
+          </a:bodyPr>
+          <a:lstStyle/>
+          <a:p>
+            <a:r>
+              <a:rPr lang="en-US" dirty="0"/>
+              <a:t>Rich syn</a:t>
+            </a:r>
+          </a:p>
+        </p:txBody>
+      </p:sp>
       <p:graphicFrame>
         <p:nvGraphicFramePr>
-          <p:cNvPr id="4" name="Table 3">
-            <a:extLst>
-              <a:ext uri="{FF2B5EF4-FFF2-40B4-BE49-F238E27FC236}">
-                <a16:creationId xmlns:a16="http://schemas.microsoft.com/office/drawing/2014/main" id="{1D2701B0-03F2-628C-5C8E-796FD6506B52}"/>
+          <p:cNvPr id="2" name="Table 1">
+            <a:extLst>
+              <a:ext uri="{FF2B5EF4-FFF2-40B4-BE49-F238E27FC236}">
+                <a16:creationId xmlns:a16="http://schemas.microsoft.com/office/drawing/2014/main" id="{8F31F8C9-EE2D-B104-AAA4-CFD7B7271225}"/>
               </a:ext>
             </a:extLst>
           </p:cNvPr>
@@ -5109,37 +5150,37 @@
           <p:nvPr>
             <p:extLst>
               <p:ext uri="{D42A27DB-BD31-4B8C-83A1-F6EECF244321}">
-                <p14:modId xmlns:p14="http://schemas.microsoft.com/office/powerpoint/2010/main" val="1838293954"/>
+                <p14:modId xmlns:p14="http://schemas.microsoft.com/office/powerpoint/2010/main" val="12703942"/>
               </p:ext>
             </p:extLst>
           </p:nvPr>
         </p:nvGraphicFramePr>
         <p:xfrm>
-          <a:off x="2013338" y="1314350"/>
-          <a:ext cx="5932666" cy="2725807"/>
+          <a:off x="3160484" y="2080729"/>
+          <a:ext cx="4658051" cy="2511199"/>
         </p:xfrm>
         <a:graphic>
           <a:graphicData uri="http://schemas.openxmlformats.org/drawingml/2006/table">
             <a:tbl>
               <a:tblPr firstRow="1" bandRow="1">
-                <a:tableStyleId>{073A0DAA-6AF3-43AB-8588-CEC1D06C72B9}</a:tableStyleId>
+                <a:tableStyleId>{793D81CF-94F2-401A-BA57-92F5A7B2D0C5}</a:tableStyleId>
               </a:tblPr>
               <a:tblGrid>
-                <a:gridCol w="1975104">
+                <a:gridCol w="1811599">
                   <a:extLst>
                     <a:ext uri="{9D8B030D-6E8A-4147-A177-3AD203B41FA5}">
                       <a16:colId xmlns:a16="http://schemas.microsoft.com/office/drawing/2014/main" val="1889191952"/>
                     </a:ext>
                   </a:extLst>
                 </a:gridCol>
-                <a:gridCol w="1978781">
+                <a:gridCol w="1838685">
                   <a:extLst>
                     <a:ext uri="{9D8B030D-6E8A-4147-A177-3AD203B41FA5}">
                       <a16:colId xmlns:a16="http://schemas.microsoft.com/office/drawing/2014/main" val="3544753038"/>
                     </a:ext>
                   </a:extLst>
                 </a:gridCol>
-                <a:gridCol w="1978781">
+                <a:gridCol w="1007767">
                   <a:extLst>
                     <a:ext uri="{9D8B030D-6E8A-4147-A177-3AD203B41FA5}">
                       <a16:colId xmlns:a16="http://schemas.microsoft.com/office/drawing/2014/main" val="3934872081"/>
@@ -5147,14 +5188,14 @@
                   </a:extLst>
                 </a:gridCol>
               </a:tblGrid>
-              <a:tr h="389401">
-                <a:tc>
-                  <a:txBody>
-                    <a:bodyPr/>
-                    <a:lstStyle/>
-                    <a:p>
-                      <a:r>
-                        <a:rPr lang="en-US" sz="1400" dirty="0"/>
+              <a:tr h="455299">
+                <a:tc>
+                  <a:txBody>
+                    <a:bodyPr/>
+                    <a:lstStyle/>
+                    <a:p>
+                      <a:r>
+                        <a:rPr lang="en-US" sz="1200" dirty="0"/>
                         <a:t>Parameter</a:t>
                       </a:r>
                     </a:p>
@@ -5167,7 +5208,7 @@
                     <a:lstStyle/>
                     <a:p>
                       <a:r>
-                        <a:rPr lang="en-US" sz="1400" dirty="0"/>
+                        <a:rPr lang="en-US" sz="1200" dirty="0"/>
                         <a:t>Effect/direction of trend</a:t>
                       </a:r>
                     </a:p>
@@ -5180,7 +5221,7 @@
                     <a:lstStyle/>
                     <a:p>
                       <a:r>
-                        <a:rPr lang="en-US" sz="1400" dirty="0"/>
+                        <a:rPr lang="en-US" sz="1200" dirty="0"/>
                         <a:t>Season</a:t>
                       </a:r>
                     </a:p>
@@ -5193,14 +5234,14 @@
                   </a:ext>
                 </a:extLst>
               </a:tr>
-              <a:tr h="389401">
+              <a:tr h="342650">
                 <a:tc rowSpan="2">
                   <a:txBody>
                     <a:bodyPr/>
                     <a:lstStyle/>
                     <a:p>
                       <a:r>
-                        <a:rPr lang="en-US" sz="1400" dirty="0"/>
+                        <a:rPr lang="en-US" sz="1200" dirty="0"/>
                         <a:t>Total richness</a:t>
                       </a:r>
                     </a:p>
@@ -5213,7 +5254,7 @@
                     <a:lstStyle/>
                     <a:p>
                       <a:r>
-                        <a:rPr lang="en-US" sz="1400" dirty="0"/>
+                        <a:rPr lang="en-US" sz="1200" dirty="0"/>
                         <a:t>No change</a:t>
                       </a:r>
                     </a:p>
@@ -5226,7 +5267,7 @@
                     <a:lstStyle/>
                     <a:p>
                       <a:r>
-                        <a:rPr lang="en-US" sz="1400" dirty="0"/>
+                        <a:rPr lang="en-US" sz="1200" dirty="0"/>
                         <a:t>Summer</a:t>
                       </a:r>
                     </a:p>
@@ -5239,7 +5280,7 @@
                   </a:ext>
                 </a:extLst>
               </a:tr>
-              <a:tr h="389401">
+              <a:tr h="342650">
                 <a:tc vMerge="1">
                   <a:txBody>
                     <a:bodyPr/>
@@ -5255,18 +5296,21 @@
                     <a:bodyPr/>
                     <a:lstStyle/>
                     <a:p>
-                      <a:endParaRPr lang="en-US" sz="1400" dirty="0"/>
-                    </a:p>
-                  </a:txBody>
-                  <a:tcPr anchor="ctr"/>
-                </a:tc>
-                <a:tc>
-                  <a:txBody>
-                    <a:bodyPr/>
-                    <a:lstStyle/>
-                    <a:p>
-                      <a:r>
-                        <a:rPr lang="en-US" sz="1400" dirty="0"/>
+                      <a:r>
+                        <a:rPr lang="en-US" sz="1200" dirty="0"/>
+                        <a:t>Decreasing over time</a:t>
+                      </a:r>
+                    </a:p>
+                  </a:txBody>
+                  <a:tcPr anchor="ctr"/>
+                </a:tc>
+                <a:tc>
+                  <a:txBody>
+                    <a:bodyPr/>
+                    <a:lstStyle/>
+                    <a:p>
+                      <a:r>
+                        <a:rPr lang="en-US" sz="1200" dirty="0"/>
                         <a:t>Winter</a:t>
                       </a:r>
                     </a:p>
@@ -5279,14 +5323,14 @@
                   </a:ext>
                 </a:extLst>
               </a:tr>
-              <a:tr h="389401">
+              <a:tr h="342650">
                 <a:tc rowSpan="2">
                   <a:txBody>
                     <a:bodyPr/>
                     <a:lstStyle/>
                     <a:p>
                       <a:r>
-                        <a:rPr lang="en-US" sz="1400" dirty="0"/>
+                        <a:rPr lang="en-US" sz="1200" dirty="0"/>
                         <a:t>Water temperature</a:t>
                       </a:r>
                     </a:p>
@@ -5299,7 +5343,7 @@
                     <a:lstStyle/>
                     <a:p>
                       <a:r>
-                        <a:rPr lang="en-US" sz="1400" dirty="0"/>
+                        <a:rPr lang="en-US" sz="1200" dirty="0"/>
                         <a:t>N/A</a:t>
                       </a:r>
                     </a:p>
@@ -5312,7 +5356,7 @@
                     <a:lstStyle/>
                     <a:p>
                       <a:r>
-                        <a:rPr lang="en-US" sz="1400" dirty="0"/>
+                        <a:rPr lang="en-US" sz="1200" dirty="0"/>
                         <a:t>Summer</a:t>
                       </a:r>
                     </a:p>
@@ -5325,7 +5369,7 @@
                   </a:ext>
                 </a:extLst>
               </a:tr>
-              <a:tr h="389401">
+              <a:tr h="342650">
                 <a:tc vMerge="1">
                   <a:txBody>
                     <a:bodyPr/>
@@ -5342,7 +5386,7 @@
                     <a:lstStyle/>
                     <a:p>
                       <a:r>
-                        <a:rPr lang="en-US" sz="1400" dirty="0"/>
+                        <a:rPr lang="en-US" sz="1200" dirty="0"/>
                         <a:t>Positive</a:t>
                       </a:r>
                     </a:p>
@@ -5355,7 +5399,7 @@
                     <a:lstStyle/>
                     <a:p>
                       <a:r>
-                        <a:rPr lang="en-US" sz="1400" dirty="0"/>
+                        <a:rPr lang="en-US" sz="1200" dirty="0"/>
                         <a:t>Winter</a:t>
                       </a:r>
                     </a:p>
@@ -5368,14 +5412,14 @@
                   </a:ext>
                 </a:extLst>
               </a:tr>
-              <a:tr h="389401">
+              <a:tr h="342650">
                 <a:tc rowSpan="2">
                   <a:txBody>
                     <a:bodyPr/>
                     <a:lstStyle/>
                     <a:p>
                       <a:r>
-                        <a:rPr lang="en-US" sz="1400" dirty="0"/>
+                        <a:rPr lang="en-US" sz="1200" dirty="0"/>
                         <a:t>SAV coverage</a:t>
                       </a:r>
                     </a:p>
@@ -5389,7 +5433,7 @@
                     <a:p>
                       <a:pPr algn="l"/>
                       <a:r>
-                        <a:rPr lang="en-US" sz="1400" dirty="0"/>
+                        <a:rPr lang="en-US" sz="1200" dirty="0"/>
                         <a:t>Positive</a:t>
                       </a:r>
                     </a:p>
@@ -5402,7 +5446,7 @@
                     <a:lstStyle/>
                     <a:p>
                       <a:r>
-                        <a:rPr lang="en-US" sz="1400" dirty="0"/>
+                        <a:rPr lang="en-US" sz="1200" dirty="0"/>
                         <a:t>Summer</a:t>
                       </a:r>
                     </a:p>
@@ -5415,7 +5459,7 @@
                   </a:ext>
                 </a:extLst>
               </a:tr>
-              <a:tr h="389401">
+              <a:tr h="342650">
                 <a:tc vMerge="1">
                   <a:txBody>
                     <a:bodyPr/>
@@ -5443,7 +5487,7 @@
                     <a:lstStyle/>
                     <a:p>
                       <a:r>
-                        <a:rPr lang="en-US" sz="1400" dirty="0"/>
+                        <a:rPr lang="en-US" sz="1200" dirty="0"/>
                         <a:t>Winter</a:t>
                       </a:r>
                     </a:p>
@@ -5460,6 +5504,533 @@
           </a:graphicData>
         </a:graphic>
       </p:graphicFrame>
+    </p:spTree>
+    <p:extLst>
+      <p:ext uri="{BB962C8B-B14F-4D97-AF65-F5344CB8AC3E}">
+        <p14:creationId xmlns:p14="http://schemas.microsoft.com/office/powerpoint/2010/main" val="1543724444"/>
+      </p:ext>
+    </p:extLst>
+  </p:cSld>
+  <p:clrMapOvr>
+    <a:masterClrMapping/>
+  </p:clrMapOvr>
+</p:sld>
+</file>
+
+<file path=ppt/slides/slide5.xml><?xml version="1.0" encoding="utf-8"?>
+<p:sld xmlns:a="http://schemas.openxmlformats.org/drawingml/2006/main" xmlns:r="http://schemas.openxmlformats.org/officeDocument/2006/relationships" xmlns:p="http://schemas.openxmlformats.org/presentationml/2006/main">
+  <p:cSld>
+    <p:spTree>
+      <p:nvGrpSpPr>
+        <p:cNvPr id="1" name=""/>
+        <p:cNvGrpSpPr/>
+        <p:nvPr/>
+      </p:nvGrpSpPr>
+      <p:grpSpPr>
+        <a:xfrm>
+          <a:off x="0" y="0"/>
+          <a:ext cx="0" cy="0"/>
+          <a:chOff x="0" y="0"/>
+          <a:chExt cx="0" cy="0"/>
+        </a:xfrm>
+      </p:grpSpPr>
+      <p:graphicFrame>
+        <p:nvGraphicFramePr>
+          <p:cNvPr id="4" name="Table 3">
+            <a:extLst>
+              <a:ext uri="{FF2B5EF4-FFF2-40B4-BE49-F238E27FC236}">
+                <a16:creationId xmlns:a16="http://schemas.microsoft.com/office/drawing/2014/main" id="{1D2701B0-03F2-628C-5C8E-796FD6506B52}"/>
+              </a:ext>
+            </a:extLst>
+          </p:cNvPr>
+          <p:cNvGraphicFramePr>
+            <a:graphicFrameLocks noGrp="1"/>
+          </p:cNvGraphicFramePr>
+          <p:nvPr>
+            <p:extLst>
+              <p:ext uri="{D42A27DB-BD31-4B8C-83A1-F6EECF244321}">
+                <p14:modId xmlns:p14="http://schemas.microsoft.com/office/powerpoint/2010/main" val="2430298696"/>
+              </p:ext>
+            </p:extLst>
+          </p:nvPr>
+        </p:nvGraphicFramePr>
+        <p:xfrm>
+          <a:off x="1885585" y="1546348"/>
+          <a:ext cx="6082759" cy="2126076"/>
+        </p:xfrm>
+        <a:graphic>
+          <a:graphicData uri="http://schemas.openxmlformats.org/drawingml/2006/table">
+            <a:tbl>
+              <a:tblPr firstRow="1" bandRow="1">
+                <a:tableStyleId>{793D81CF-94F2-401A-BA57-92F5A7B2D0C5}</a:tableStyleId>
+              </a:tblPr>
+              <a:tblGrid>
+                <a:gridCol w="713414">
+                  <a:extLst>
+                    <a:ext uri="{9D8B030D-6E8A-4147-A177-3AD203B41FA5}">
+                      <a16:colId xmlns:a16="http://schemas.microsoft.com/office/drawing/2014/main" val="1889191952"/>
+                    </a:ext>
+                  </a:extLst>
+                </a:gridCol>
+                <a:gridCol w="1073869">
+                  <a:extLst>
+                    <a:ext uri="{9D8B030D-6E8A-4147-A177-3AD203B41FA5}">
+                      <a16:colId xmlns:a16="http://schemas.microsoft.com/office/drawing/2014/main" val="3544753038"/>
+                    </a:ext>
+                  </a:extLst>
+                </a:gridCol>
+                <a:gridCol w="1073869">
+                  <a:extLst>
+                    <a:ext uri="{9D8B030D-6E8A-4147-A177-3AD203B41FA5}">
+                      <a16:colId xmlns:a16="http://schemas.microsoft.com/office/drawing/2014/main" val="3934872081"/>
+                    </a:ext>
+                  </a:extLst>
+                </a:gridCol>
+                <a:gridCol w="1073869">
+                  <a:extLst>
+                    <a:ext uri="{9D8B030D-6E8A-4147-A177-3AD203B41FA5}">
+                      <a16:colId xmlns:a16="http://schemas.microsoft.com/office/drawing/2014/main" val="2047968711"/>
+                    </a:ext>
+                  </a:extLst>
+                </a:gridCol>
+                <a:gridCol w="1073869">
+                  <a:extLst>
+                    <a:ext uri="{9D8B030D-6E8A-4147-A177-3AD203B41FA5}">
+                      <a16:colId xmlns:a16="http://schemas.microsoft.com/office/drawing/2014/main" val="979583805"/>
+                    </a:ext>
+                  </a:extLst>
+                </a:gridCol>
+                <a:gridCol w="1073869">
+                  <a:extLst>
+                    <a:ext uri="{9D8B030D-6E8A-4147-A177-3AD203B41FA5}">
+                      <a16:colId xmlns:a16="http://schemas.microsoft.com/office/drawing/2014/main" val="4101765265"/>
+                    </a:ext>
+                  </a:extLst>
+                </a:gridCol>
+              </a:tblGrid>
+              <a:tr h="449148">
+                <a:tc>
+                  <a:txBody>
+                    <a:bodyPr/>
+                    <a:lstStyle/>
+                    <a:p>
+                      <a:r>
+                        <a:rPr lang="en-US" sz="1200" dirty="0"/>
+                        <a:t>Season</a:t>
+                      </a:r>
+                    </a:p>
+                  </a:txBody>
+                  <a:tcPr anchor="ctr"/>
+                </a:tc>
+                <a:tc>
+                  <a:txBody>
+                    <a:bodyPr/>
+                    <a:lstStyle/>
+                    <a:p>
+                      <a:r>
+                        <a:rPr lang="en-US" sz="1200" dirty="0"/>
+                        <a:t>Parameter</a:t>
+                      </a:r>
+                    </a:p>
+                  </a:txBody>
+                  <a:tcPr anchor="ctr"/>
+                </a:tc>
+                <a:tc>
+                  <a:txBody>
+                    <a:bodyPr/>
+                    <a:lstStyle/>
+                    <a:p>
+                      <a:r>
+                        <a:rPr lang="en-US" sz="1200" dirty="0"/>
+                        <a:t>Apalachicola Bay</a:t>
+                      </a:r>
+                    </a:p>
+                  </a:txBody>
+                  <a:tcPr anchor="ctr"/>
+                </a:tc>
+                <a:tc>
+                  <a:txBody>
+                    <a:bodyPr/>
+                    <a:lstStyle/>
+                    <a:p>
+                      <a:r>
+                        <a:rPr lang="en-US" sz="1200" dirty="0"/>
+                        <a:t>Cedar Key</a:t>
+                      </a:r>
+                    </a:p>
+                  </a:txBody>
+                  <a:tcPr anchor="ctr"/>
+                </a:tc>
+                <a:tc>
+                  <a:txBody>
+                    <a:bodyPr/>
+                    <a:lstStyle/>
+                    <a:p>
+                      <a:r>
+                        <a:rPr lang="en-US" sz="1200" dirty="0"/>
+                        <a:t>Tampa Bay</a:t>
+                      </a:r>
+                    </a:p>
+                  </a:txBody>
+                  <a:tcPr anchor="ctr"/>
+                </a:tc>
+                <a:tc>
+                  <a:txBody>
+                    <a:bodyPr/>
+                    <a:lstStyle/>
+                    <a:p>
+                      <a:r>
+                        <a:rPr lang="en-US" sz="1200" dirty="0"/>
+                        <a:t>Charlotte Harbor</a:t>
+                      </a:r>
+                    </a:p>
+                  </a:txBody>
+                  <a:tcPr anchor="ctr"/>
+                </a:tc>
+                <a:extLst>
+                  <a:ext uri="{0D108BD9-81ED-4DB2-BD59-A6C34878D82A}">
+                    <a16:rowId xmlns:a16="http://schemas.microsoft.com/office/drawing/2014/main" val="3050659781"/>
+                  </a:ext>
+                </a:extLst>
+              </a:tr>
+              <a:tr h="449148">
+                <a:tc rowSpan="2">
+                  <a:txBody>
+                    <a:bodyPr/>
+                    <a:lstStyle/>
+                    <a:p>
+                      <a:r>
+                        <a:rPr lang="en-US" sz="1200" dirty="0"/>
+                        <a:t>Summer</a:t>
+                      </a:r>
+                    </a:p>
+                  </a:txBody>
+                  <a:tcPr anchor="ctr"/>
+                </a:tc>
+                <a:tc>
+                  <a:txBody>
+                    <a:bodyPr/>
+                    <a:lstStyle/>
+                    <a:p>
+                      <a:r>
+                        <a:rPr lang="en-US" sz="1200" dirty="0"/>
+                        <a:t>Water temperature</a:t>
+                      </a:r>
+                    </a:p>
+                  </a:txBody>
+                  <a:tcPr anchor="ctr"/>
+                </a:tc>
+                <a:tc>
+                  <a:txBody>
+                    <a:bodyPr/>
+                    <a:lstStyle/>
+                    <a:p>
+                      <a:r>
+                        <a:rPr lang="en-US" sz="1200" b="1" dirty="0"/>
+                        <a:t>+</a:t>
+                      </a:r>
+                    </a:p>
+                  </a:txBody>
+                  <a:tcPr anchor="ctr"/>
+                </a:tc>
+                <a:tc>
+                  <a:txBody>
+                    <a:bodyPr/>
+                    <a:lstStyle/>
+                    <a:p>
+                      <a:r>
+                        <a:rPr lang="en-US" sz="1200" b="1" dirty="0"/>
+                        <a:t>+</a:t>
+                      </a:r>
+                    </a:p>
+                  </a:txBody>
+                  <a:tcPr anchor="ctr"/>
+                </a:tc>
+                <a:tc>
+                  <a:txBody>
+                    <a:bodyPr/>
+                    <a:lstStyle/>
+                    <a:p>
+                      <a:r>
+                        <a:rPr lang="en-US" sz="1200" b="1" dirty="0"/>
+                        <a:t>+</a:t>
+                      </a:r>
+                    </a:p>
+                  </a:txBody>
+                  <a:tcPr anchor="ctr"/>
+                </a:tc>
+                <a:tc>
+                  <a:txBody>
+                    <a:bodyPr/>
+                    <a:lstStyle/>
+                    <a:p>
+                      <a:r>
+                        <a:rPr lang="en-US" sz="1200" b="1" dirty="0"/>
+                        <a:t>+</a:t>
+                      </a:r>
+                    </a:p>
+                  </a:txBody>
+                  <a:tcPr anchor="ctr"/>
+                </a:tc>
+                <a:extLst>
+                  <a:ext uri="{0D108BD9-81ED-4DB2-BD59-A6C34878D82A}">
+                    <a16:rowId xmlns:a16="http://schemas.microsoft.com/office/drawing/2014/main" val="86366"/>
+                  </a:ext>
+                </a:extLst>
+              </a:tr>
+              <a:tr h="377238">
+                <a:tc vMerge="1">
+                  <a:txBody>
+                    <a:bodyPr/>
+                    <a:lstStyle/>
+                    <a:p>
+                      <a:endParaRPr lang="en-US" sz="1400" dirty="0"/>
+                    </a:p>
+                  </a:txBody>
+                  <a:tcPr anchor="ctr"/>
+                </a:tc>
+                <a:tc>
+                  <a:txBody>
+                    <a:bodyPr/>
+                    <a:lstStyle/>
+                    <a:p>
+                      <a:r>
+                        <a:rPr lang="en-US" sz="1200" dirty="0"/>
+                        <a:t>SAV coverage</a:t>
+                      </a:r>
+                    </a:p>
+                  </a:txBody>
+                  <a:tcPr anchor="ctr"/>
+                </a:tc>
+                <a:tc>
+                  <a:txBody>
+                    <a:bodyPr/>
+                    <a:lstStyle/>
+                    <a:p>
+                      <a:r>
+                        <a:rPr lang="en-US" sz="1200" b="1" dirty="0"/>
+                        <a:t>0</a:t>
+                      </a:r>
+                    </a:p>
+                  </a:txBody>
+                  <a:tcPr anchor="ctr"/>
+                </a:tc>
+                <a:tc>
+                  <a:txBody>
+                    <a:bodyPr/>
+                    <a:lstStyle/>
+                    <a:p>
+                      <a:r>
+                        <a:rPr lang="en-US" sz="1200" b="1" dirty="0"/>
+                        <a:t>-</a:t>
+                      </a:r>
+                    </a:p>
+                  </a:txBody>
+                  <a:tcPr anchor="ctr"/>
+                </a:tc>
+                <a:tc>
+                  <a:txBody>
+                    <a:bodyPr/>
+                    <a:lstStyle/>
+                    <a:p>
+                      <a:r>
+                        <a:rPr lang="en-US" sz="1200" b="1" dirty="0"/>
+                        <a:t>0</a:t>
+                      </a:r>
+                    </a:p>
+                  </a:txBody>
+                  <a:tcPr anchor="ctr"/>
+                </a:tc>
+                <a:tc>
+                  <a:txBody>
+                    <a:bodyPr/>
+                    <a:lstStyle/>
+                    <a:p>
+                      <a:r>
+                        <a:rPr lang="en-US" sz="1200" b="1" dirty="0"/>
+                        <a:t>0</a:t>
+                      </a:r>
+                    </a:p>
+                  </a:txBody>
+                  <a:tcPr anchor="ctr"/>
+                </a:tc>
+                <a:extLst>
+                  <a:ext uri="{0D108BD9-81ED-4DB2-BD59-A6C34878D82A}">
+                    <a16:rowId xmlns:a16="http://schemas.microsoft.com/office/drawing/2014/main" val="1939110187"/>
+                  </a:ext>
+                </a:extLst>
+              </a:tr>
+              <a:tr h="449148">
+                <a:tc rowSpan="2">
+                  <a:txBody>
+                    <a:bodyPr/>
+                    <a:lstStyle/>
+                    <a:p>
+                      <a:r>
+                        <a:rPr lang="en-US" sz="1200" dirty="0"/>
+                        <a:t>Winter</a:t>
+                      </a:r>
+                    </a:p>
+                  </a:txBody>
+                  <a:tcPr anchor="ctr"/>
+                </a:tc>
+                <a:tc>
+                  <a:txBody>
+                    <a:bodyPr/>
+                    <a:lstStyle/>
+                    <a:p>
+                      <a:r>
+                        <a:rPr lang="en-US" sz="1200" dirty="0"/>
+                        <a:t>Water temperature</a:t>
+                      </a:r>
+                    </a:p>
+                  </a:txBody>
+                  <a:tcPr anchor="ctr"/>
+                </a:tc>
+                <a:tc>
+                  <a:txBody>
+                    <a:bodyPr/>
+                    <a:lstStyle/>
+                    <a:p>
+                      <a:r>
+                        <a:rPr lang="en-US" sz="1200" b="1" dirty="0"/>
+                        <a:t>+</a:t>
+                      </a:r>
+                    </a:p>
+                  </a:txBody>
+                  <a:tcPr anchor="ctr"/>
+                </a:tc>
+                <a:tc>
+                  <a:txBody>
+                    <a:bodyPr/>
+                    <a:lstStyle/>
+                    <a:p>
+                      <a:r>
+                        <a:rPr lang="en-US" sz="1200" b="1" dirty="0"/>
+                        <a:t>+</a:t>
+                      </a:r>
+                    </a:p>
+                  </a:txBody>
+                  <a:tcPr anchor="ctr"/>
+                </a:tc>
+                <a:tc>
+                  <a:txBody>
+                    <a:bodyPr/>
+                    <a:lstStyle/>
+                    <a:p>
+                      <a:r>
+                        <a:rPr lang="en-US" sz="1200" b="1" dirty="0"/>
+                        <a:t>+</a:t>
+                      </a:r>
+                    </a:p>
+                  </a:txBody>
+                  <a:tcPr anchor="ctr"/>
+                </a:tc>
+                <a:tc>
+                  <a:txBody>
+                    <a:bodyPr/>
+                    <a:lstStyle/>
+                    <a:p>
+                      <a:r>
+                        <a:rPr lang="en-US" sz="1200" b="1" dirty="0"/>
+                        <a:t>+</a:t>
+                      </a:r>
+                    </a:p>
+                  </a:txBody>
+                  <a:tcPr anchor="ctr"/>
+                </a:tc>
+                <a:extLst>
+                  <a:ext uri="{0D108BD9-81ED-4DB2-BD59-A6C34878D82A}">
+                    <a16:rowId xmlns:a16="http://schemas.microsoft.com/office/drawing/2014/main" val="2546708466"/>
+                  </a:ext>
+                </a:extLst>
+              </a:tr>
+              <a:tr h="377238">
+                <a:tc vMerge="1">
+                  <a:txBody>
+                    <a:bodyPr/>
+                    <a:lstStyle/>
+                    <a:p>
+                      <a:endParaRPr lang="en-US" sz="1400" dirty="0"/>
+                    </a:p>
+                  </a:txBody>
+                  <a:tcPr anchor="ctr"/>
+                </a:tc>
+                <a:tc>
+                  <a:txBody>
+                    <a:bodyPr/>
+                    <a:lstStyle/>
+                    <a:p>
+                      <a:r>
+                        <a:rPr lang="en-US" sz="1200" dirty="0"/>
+                        <a:t>SAV coverage</a:t>
+                      </a:r>
+                    </a:p>
+                  </a:txBody>
+                  <a:tcPr anchor="ctr"/>
+                </a:tc>
+                <a:tc>
+                  <a:txBody>
+                    <a:bodyPr/>
+                    <a:lstStyle/>
+                    <a:p>
+                      <a:r>
+                        <a:rPr lang="en-US" sz="1200" b="1" dirty="0"/>
+                        <a:t>0</a:t>
+                      </a:r>
+                    </a:p>
+                  </a:txBody>
+                  <a:tcPr anchor="ctr"/>
+                </a:tc>
+                <a:tc>
+                  <a:txBody>
+                    <a:bodyPr/>
+                    <a:lstStyle/>
+                    <a:p>
+                      <a:r>
+                        <a:rPr lang="en-US" sz="1200" b="1" dirty="0"/>
+                        <a:t>0</a:t>
+                      </a:r>
+                    </a:p>
+                  </a:txBody>
+                  <a:tcPr anchor="ctr"/>
+                </a:tc>
+                <a:tc>
+                  <a:txBody>
+                    <a:bodyPr/>
+                    <a:lstStyle/>
+                    <a:p>
+                      <a:r>
+                        <a:rPr lang="en-US" sz="1200" b="1" dirty="0"/>
+                        <a:t>+</a:t>
+                      </a:r>
+                    </a:p>
+                  </a:txBody>
+                  <a:tcPr anchor="ctr"/>
+                </a:tc>
+                <a:tc>
+                  <a:txBody>
+                    <a:bodyPr/>
+                    <a:lstStyle/>
+                    <a:p>
+                      <a:r>
+                        <a:rPr lang="en-US" sz="1200" b="1" dirty="0"/>
+                        <a:t>+</a:t>
+                      </a:r>
+                    </a:p>
+                  </a:txBody>
+                  <a:tcPr anchor="ctr"/>
+                </a:tc>
+                <a:extLst>
+                  <a:ext uri="{0D108BD9-81ED-4DB2-BD59-A6C34878D82A}">
+                    <a16:rowId xmlns:a16="http://schemas.microsoft.com/office/drawing/2014/main" val="736878158"/>
+                  </a:ext>
+                </a:extLst>
+              </a:tr>
+            </a:tbl>
+          </a:graphicData>
+        </a:graphic>
+      </p:graphicFrame>
       <p:sp>
         <p:nvSpPr>
           <p:cNvPr id="5" name="TextBox 4">
@@ -5475,7 +6046,7 @@
         <p:spPr>
           <a:xfrm>
             <a:off x="5085184" y="495882"/>
-            <a:ext cx="946734" cy="369332"/>
+            <a:ext cx="1751505" cy="369332"/>
           </a:xfrm>
           <a:prstGeom prst="rect">
             <a:avLst/>
@@ -5489,8 +6060,12 @@
           <a:lstStyle/>
           <a:p>
             <a:r>
+              <a:rPr lang="en-US" dirty="0" err="1"/>
+              <a:t>Hab</a:t>
+            </a:r>
+            <a:r>
               <a:rPr lang="en-US" dirty="0"/>
-              <a:t>Rich syn</a:t>
+              <a:t> param syn 2</a:t>
             </a:r>
           </a:p>
         </p:txBody>
@@ -5498,7 +6073,7 @@
     </p:spTree>
     <p:extLst>
       <p:ext uri="{BB962C8B-B14F-4D97-AF65-F5344CB8AC3E}">
-        <p14:creationId xmlns:p14="http://schemas.microsoft.com/office/powerpoint/2010/main" val="1543724444"/>
+        <p14:creationId xmlns:p14="http://schemas.microsoft.com/office/powerpoint/2010/main" val="1879434455"/>
       </p:ext>
     </p:extLst>
   </p:cSld>
